--- a/Sprint2pres.pptx
+++ b/Sprint2pres.pptx
@@ -15,17 +15,17 @@
     <p:sldId id="269" r:id="rId6"/>
     <p:sldId id="282" r:id="rId7"/>
     <p:sldId id="273" r:id="rId8"/>
-    <p:sldId id="261" r:id="rId9"/>
-    <p:sldId id="262" r:id="rId10"/>
-    <p:sldId id="263" r:id="rId11"/>
-    <p:sldId id="281" r:id="rId12"/>
-    <p:sldId id="272" r:id="rId13"/>
-    <p:sldId id="279" r:id="rId14"/>
-    <p:sldId id="280" r:id="rId15"/>
-    <p:sldId id="266" r:id="rId16"/>
-    <p:sldId id="274" r:id="rId17"/>
-    <p:sldId id="268" r:id="rId18"/>
-    <p:sldId id="276" r:id="rId19"/>
+    <p:sldId id="283" r:id="rId9"/>
+    <p:sldId id="261" r:id="rId10"/>
+    <p:sldId id="262" r:id="rId11"/>
+    <p:sldId id="263" r:id="rId12"/>
+    <p:sldId id="281" r:id="rId13"/>
+    <p:sldId id="272" r:id="rId14"/>
+    <p:sldId id="279" r:id="rId15"/>
+    <p:sldId id="280" r:id="rId16"/>
+    <p:sldId id="266" r:id="rId17"/>
+    <p:sldId id="274" r:id="rId18"/>
+    <p:sldId id="268" r:id="rId19"/>
     <p:sldId id="275" r:id="rId20"/>
     <p:sldId id="277" r:id="rId21"/>
     <p:sldId id="270" r:id="rId22"/>
@@ -554,6 +554,90 @@
     <p:extLst>
       <p:ext uri="{BB962C8B-B14F-4D97-AF65-F5344CB8AC3E}">
         <p14:creationId xmlns:p14="http://schemas.microsoft.com/office/powerpoint/2010/main" val="3302031385"/>
+      </p:ext>
+    </p:extLst>
+  </p:cSld>
+  <p:clrMapOvr>
+    <a:masterClrMapping/>
+  </p:clrMapOvr>
+</p:notes>
+</file>
+
+<file path=ppt/notesSlides/notesSlide2.xml><?xml version="1.0" encoding="utf-8"?>
+<p:notes xmlns:a="http://schemas.openxmlformats.org/drawingml/2006/main" xmlns:r="http://schemas.openxmlformats.org/officeDocument/2006/relationships" xmlns:p="http://schemas.openxmlformats.org/presentationml/2006/main">
+  <p:cSld>
+    <p:spTree>
+      <p:nvGrpSpPr>
+        <p:cNvPr id="1" name=""/>
+        <p:cNvGrpSpPr/>
+        <p:nvPr/>
+      </p:nvGrpSpPr>
+      <p:grpSpPr>
+        <a:xfrm>
+          <a:off x="0" y="0"/>
+          <a:ext cx="0" cy="0"/>
+          <a:chOff x="0" y="0"/>
+          <a:chExt cx="0" cy="0"/>
+        </a:xfrm>
+      </p:grpSpPr>
+      <p:sp>
+        <p:nvSpPr>
+          <p:cNvPr id="2" name="Slide Image Placeholder 1"/>
+          <p:cNvSpPr>
+            <a:spLocks noGrp="1" noRot="1" noChangeAspect="1"/>
+          </p:cNvSpPr>
+          <p:nvPr>
+            <p:ph type="sldImg"/>
+          </p:nvPr>
+        </p:nvSpPr>
+        <p:spPr/>
+      </p:sp>
+      <p:sp>
+        <p:nvSpPr>
+          <p:cNvPr id="3" name="Notes Placeholder 2"/>
+          <p:cNvSpPr>
+            <a:spLocks noGrp="1"/>
+          </p:cNvSpPr>
+          <p:nvPr>
+            <p:ph type="body" idx="1"/>
+          </p:nvPr>
+        </p:nvSpPr>
+        <p:spPr/>
+        <p:txBody>
+          <a:bodyPr/>
+          <a:lstStyle/>
+          <a:p>
+            <a:endParaRPr lang="en-US" dirty="0"/>
+          </a:p>
+        </p:txBody>
+      </p:sp>
+      <p:sp>
+        <p:nvSpPr>
+          <p:cNvPr id="4" name="Slide Number Placeholder 3"/>
+          <p:cNvSpPr>
+            <a:spLocks noGrp="1"/>
+          </p:cNvSpPr>
+          <p:nvPr>
+            <p:ph type="sldNum" sz="quarter" idx="5"/>
+          </p:nvPr>
+        </p:nvSpPr>
+        <p:spPr/>
+        <p:txBody>
+          <a:bodyPr/>
+          <a:lstStyle/>
+          <a:p>
+            <a:fld id="{3C7A9651-A007-7443-A058-AA71457E69FF}" type="slidenum">
+              <a:rPr lang="en-US" smtClean="0"/>
+              <a:t>8</a:t>
+            </a:fld>
+            <a:endParaRPr lang="en-US"/>
+          </a:p>
+        </p:txBody>
+      </p:sp>
+    </p:spTree>
+    <p:extLst>
+      <p:ext uri="{BB962C8B-B14F-4D97-AF65-F5344CB8AC3E}">
+        <p14:creationId xmlns:p14="http://schemas.microsoft.com/office/powerpoint/2010/main" val="3621370986"/>
       </p:ext>
     </p:extLst>
   </p:cSld>
@@ -3964,6 +4048,198 @@
           <p:cNvPr id="2" name="Title 1">
             <a:extLst>
               <a:ext uri="{FF2B5EF4-FFF2-40B4-BE49-F238E27FC236}">
+                <a16:creationId xmlns:a16="http://schemas.microsoft.com/office/drawing/2014/main" id="{443E46DB-43BE-3649-B8C4-C1A058813DED}"/>
+              </a:ext>
+            </a:extLst>
+          </p:cNvPr>
+          <p:cNvSpPr>
+            <a:spLocks noGrp="1"/>
+          </p:cNvSpPr>
+          <p:nvPr>
+            <p:ph type="title"/>
+          </p:nvPr>
+        </p:nvSpPr>
+        <p:spPr>
+          <a:xfrm>
+            <a:off x="2314994" y="1452618"/>
+            <a:ext cx="4482424" cy="3551236"/>
+          </a:xfrm>
+        </p:spPr>
+        <p:txBody>
+          <a:bodyPr vert="horz" lIns="91440" tIns="45720" rIns="91440" bIns="45720" rtlCol="0" anchor="ctr">
+            <a:normAutofit/>
+          </a:bodyPr>
+          <a:lstStyle/>
+          <a:p>
+            <a:pPr algn="r"/>
+            <a:r>
+              <a:rPr lang="en-US" sz="4800" kern="1200" cap="all" baseline="0" dirty="0">
+                <a:solidFill>
+                  <a:schemeClr val="tx1"/>
+                </a:solidFill>
+                <a:latin typeface="+mj-lt"/>
+                <a:ea typeface="+mj-ea"/>
+                <a:cs typeface="+mj-cs"/>
+              </a:rPr>
+              <a:t>Use cases undertaken in sprint II</a:t>
+            </a:r>
+          </a:p>
+        </p:txBody>
+      </p:sp>
+      <p:sp>
+        <p:nvSpPr>
+          <p:cNvPr id="5" name="TextBox 4">
+            <a:extLst>
+              <a:ext uri="{FF2B5EF4-FFF2-40B4-BE49-F238E27FC236}">
+                <a16:creationId xmlns:a16="http://schemas.microsoft.com/office/drawing/2014/main" id="{4B83C55D-9BC8-4F48-B16B-DAEF2BFBD890}"/>
+              </a:ext>
+            </a:extLst>
+          </p:cNvPr>
+          <p:cNvSpPr txBox="1"/>
+          <p:nvPr/>
+        </p:nvSpPr>
+        <p:spPr>
+          <a:xfrm>
+            <a:off x="7225232" y="1536174"/>
+            <a:ext cx="4252535" cy="4154984"/>
+          </a:xfrm>
+          <a:prstGeom prst="rect">
+            <a:avLst/>
+          </a:prstGeom>
+          <a:noFill/>
+        </p:spPr>
+        <p:txBody>
+          <a:bodyPr wrap="square" rtlCol="0">
+            <a:spAutoFit/>
+          </a:bodyPr>
+          <a:lstStyle/>
+          <a:p>
+            <a:r>
+              <a:rPr lang="en-US" sz="2400" b="1" dirty="0">
+                <a:solidFill>
+                  <a:srgbClr val="002060"/>
+                </a:solidFill>
+              </a:rPr>
+              <a:t>UC #4</a:t>
+            </a:r>
+            <a:r>
+              <a:rPr lang="en-US" sz="2400" dirty="0"/>
+              <a:t>: Keep nutritional values up to date</a:t>
+            </a:r>
+          </a:p>
+          <a:p>
+            <a:endParaRPr lang="en-US" sz="2400" dirty="0"/>
+          </a:p>
+          <a:p>
+            <a:r>
+              <a:rPr lang="en-US" sz="2400" b="1" dirty="0">
+                <a:solidFill>
+                  <a:srgbClr val="002060"/>
+                </a:solidFill>
+              </a:rPr>
+              <a:t>UC #5</a:t>
+            </a:r>
+            <a:r>
+              <a:rPr lang="en-US" sz="2400" dirty="0"/>
+              <a:t>: Define nutritional diets</a:t>
+            </a:r>
+          </a:p>
+          <a:p>
+            <a:endParaRPr lang="en-US" sz="2400" dirty="0"/>
+          </a:p>
+          <a:p>
+            <a:r>
+              <a:rPr lang="en-US" sz="2400" b="1" dirty="0">
+                <a:solidFill>
+                  <a:srgbClr val="002060"/>
+                </a:solidFill>
+              </a:rPr>
+              <a:t>UC #6</a:t>
+            </a:r>
+            <a:r>
+              <a:rPr lang="en-US" sz="2400" dirty="0"/>
+              <a:t>: Calculate macronutrients</a:t>
+            </a:r>
+          </a:p>
+          <a:p>
+            <a:endParaRPr lang="en-US" sz="2400" dirty="0"/>
+          </a:p>
+          <a:p>
+            <a:r>
+              <a:rPr lang="en-US" sz="2400" b="1" dirty="0">
+                <a:solidFill>
+                  <a:srgbClr val="002060"/>
+                </a:solidFill>
+              </a:rPr>
+              <a:t>UC #7</a:t>
+            </a:r>
+            <a:r>
+              <a:rPr lang="en-US" sz="2400" dirty="0"/>
+              <a:t>: Generate Diet Reports</a:t>
+            </a:r>
+          </a:p>
+          <a:p>
+            <a:endParaRPr lang="en-US" sz="2400" dirty="0"/>
+          </a:p>
+          <a:p>
+            <a:r>
+              <a:rPr lang="en-US" sz="2400" b="1" dirty="0">
+                <a:solidFill>
+                  <a:srgbClr val="002060"/>
+                </a:solidFill>
+              </a:rPr>
+              <a:t>UC #8: </a:t>
+            </a:r>
+            <a:r>
+              <a:rPr lang="en-US" sz="2400" dirty="0"/>
+              <a:t>Create meal plan</a:t>
+            </a:r>
+            <a:endParaRPr lang="en-US" sz="2400" b="1" dirty="0">
+              <a:solidFill>
+                <a:srgbClr val="002060"/>
+              </a:solidFill>
+            </a:endParaRPr>
+          </a:p>
+          <a:p>
+            <a:endParaRPr lang="en-US" sz="2400" dirty="0"/>
+          </a:p>
+        </p:txBody>
+      </p:sp>
+    </p:spTree>
+    <p:extLst>
+      <p:ext uri="{BB962C8B-B14F-4D97-AF65-F5344CB8AC3E}">
+        <p14:creationId xmlns:p14="http://schemas.microsoft.com/office/powerpoint/2010/main" val="3960667573"/>
+      </p:ext>
+    </p:extLst>
+  </p:cSld>
+  <p:clrMapOvr>
+    <a:masterClrMapping/>
+  </p:clrMapOvr>
+</p:sld>
+</file>
+
+<file path=ppt/slides/slide11.xml><?xml version="1.0" encoding="utf-8"?>
+<p:sld xmlns:a="http://schemas.openxmlformats.org/drawingml/2006/main" xmlns:r="http://schemas.openxmlformats.org/officeDocument/2006/relationships" xmlns:p="http://schemas.openxmlformats.org/presentationml/2006/main">
+  <p:cSld>
+    <p:spTree>
+      <p:nvGrpSpPr>
+        <p:cNvPr id="1" name=""/>
+        <p:cNvGrpSpPr/>
+        <p:nvPr/>
+      </p:nvGrpSpPr>
+      <p:grpSpPr>
+        <a:xfrm>
+          <a:off x="0" y="0"/>
+          <a:ext cx="0" cy="0"/>
+          <a:chOff x="0" y="0"/>
+          <a:chExt cx="0" cy="0"/>
+        </a:xfrm>
+      </p:grpSpPr>
+      <p:sp>
+        <p:nvSpPr>
+          <p:cNvPr id="2" name="Title 1">
+            <a:extLst>
+              <a:ext uri="{FF2B5EF4-FFF2-40B4-BE49-F238E27FC236}">
                 <a16:creationId xmlns:a16="http://schemas.microsoft.com/office/drawing/2014/main" id="{4ED59FB7-22C9-E343-A6F3-9D171011D331}"/>
               </a:ext>
             </a:extLst>
@@ -3997,7 +4273,7 @@
             </a:r>
             <a:r>
               <a:rPr lang="en-US" sz="3300" dirty="0"/>
-              <a:t>:</a:t>
+              <a:t>: Keep nutritional values up to date</a:t>
             </a:r>
             <a:br>
               <a:rPr lang="en-US" sz="3300" dirty="0"/>
@@ -4047,7 +4323,7 @@
             </a:r>
             <a:r>
               <a:rPr lang="en-US" sz="2400" dirty="0"/>
-              <a:t>:</a:t>
+              <a:t>: User wants to have all new and current nutritional information for food items when searched.</a:t>
             </a:r>
           </a:p>
         </p:txBody>
@@ -4095,7 +4371,7 @@
 </p:sld>
 </file>
 
-<file path=ppt/slides/slide11.xml><?xml version="1.0" encoding="utf-8"?>
+<file path=ppt/slides/slide12.xml><?xml version="1.0" encoding="utf-8"?>
 <p:sld xmlns:a="http://schemas.openxmlformats.org/drawingml/2006/main" xmlns:r="http://schemas.openxmlformats.org/officeDocument/2006/relationships" xmlns:p="http://schemas.openxmlformats.org/presentationml/2006/main">
   <p:cSld>
     <p:spTree>
@@ -4162,6 +4438,29 @@
               </a:rPr>
               <a:t>: </a:t>
             </a:r>
+            <a:r>
+              <a:rPr lang="en-US" sz="3300" cap="all" dirty="0"/>
+              <a:t>D</a:t>
+            </a:r>
+            <a:r>
+              <a:rPr lang="en-US" sz="3300" kern="1200" baseline="0" dirty="0">
+                <a:solidFill>
+                  <a:schemeClr val="tx1"/>
+                </a:solidFill>
+                <a:latin typeface="+mj-lt"/>
+                <a:ea typeface="+mj-ea"/>
+                <a:cs typeface="+mj-cs"/>
+              </a:rPr>
+              <a:t>efine nutritional diets</a:t>
+            </a:r>
+            <a:endParaRPr lang="en-US" sz="3300" kern="1200" cap="all" baseline="0" dirty="0">
+              <a:solidFill>
+                <a:schemeClr val="tx1"/>
+              </a:solidFill>
+              <a:latin typeface="+mj-lt"/>
+              <a:ea typeface="+mj-ea"/>
+              <a:cs typeface="+mj-cs"/>
+            </a:endParaRPr>
           </a:p>
         </p:txBody>
       </p:sp>
@@ -4206,7 +4505,7 @@
             </a:r>
             <a:r>
               <a:rPr lang="en-US" sz="2400" dirty="0"/>
-              <a:t>:</a:t>
+              <a:t>: User wants an easy way to choose meal plans that fit their lifestyle</a:t>
             </a:r>
           </a:p>
         </p:txBody>
@@ -4254,7 +4553,7 @@
 </p:sld>
 </file>
 
-<file path=ppt/slides/slide12.xml><?xml version="1.0" encoding="utf-8"?>
+<file path=ppt/slides/slide13.xml><?xml version="1.0" encoding="utf-8"?>
 <p:sld xmlns:a="http://schemas.openxmlformats.org/drawingml/2006/main" xmlns:r="http://schemas.openxmlformats.org/officeDocument/2006/relationships" xmlns:p="http://schemas.openxmlformats.org/presentationml/2006/main">
   <p:cSld>
     <p:spTree>
@@ -4311,7 +4610,7 @@
               <a:t>UC #6</a:t>
             </a:r>
             <a:r>
-              <a:rPr lang="en-US" sz="3300" kern="1200" cap="all" baseline="0" dirty="0">
+              <a:rPr lang="en-US" sz="3300" kern="1200" baseline="0" dirty="0">
                 <a:solidFill>
                   <a:schemeClr val="tx1"/>
                 </a:solidFill>
@@ -4319,8 +4618,16 @@
                 <a:ea typeface="+mj-ea"/>
                 <a:cs typeface="+mj-cs"/>
               </a:rPr>
-              <a:t>: </a:t>
-            </a:r>
+              <a:t>: Calculate Macronutrients </a:t>
+            </a:r>
+            <a:endParaRPr lang="en-US" sz="3300" kern="1200" cap="all" baseline="0" dirty="0">
+              <a:solidFill>
+                <a:schemeClr val="tx1"/>
+              </a:solidFill>
+              <a:latin typeface="+mj-lt"/>
+              <a:ea typeface="+mj-ea"/>
+              <a:cs typeface="+mj-cs"/>
+            </a:endParaRPr>
           </a:p>
         </p:txBody>
       </p:sp>
@@ -4365,7 +4672,7 @@
             </a:r>
             <a:r>
               <a:rPr lang="en-US" sz="2400" dirty="0"/>
-              <a:t>:</a:t>
+              <a:t>: The user wants to see all macronutrient information for each item they searched for. The nutrition calculator shows all macronutrient information.</a:t>
             </a:r>
           </a:p>
         </p:txBody>
@@ -4413,7 +4720,7 @@
 </p:sld>
 </file>
 
-<file path=ppt/slides/slide13.xml><?xml version="1.0" encoding="utf-8"?>
+<file path=ppt/slides/slide14.xml><?xml version="1.0" encoding="utf-8"?>
 <p:sld xmlns:a="http://schemas.openxmlformats.org/drawingml/2006/main" xmlns:r="http://schemas.openxmlformats.org/officeDocument/2006/relationships" xmlns:p="http://schemas.openxmlformats.org/presentationml/2006/main">
   <p:cSld>
     <p:spTree>
@@ -4486,8 +4793,31 @@
                 <a:ea typeface="+mj-ea"/>
                 <a:cs typeface="+mj-cs"/>
               </a:rPr>
-              <a:t>:</a:t>
-            </a:r>
+              <a:t>: </a:t>
+            </a:r>
+            <a:r>
+              <a:rPr lang="en-US" sz="3300" cap="all" dirty="0"/>
+              <a:t>G</a:t>
+            </a:r>
+            <a:r>
+              <a:rPr lang="en-US" sz="3300" kern="1200" baseline="0" dirty="0">
+                <a:solidFill>
+                  <a:schemeClr val="tx1"/>
+                </a:solidFill>
+                <a:latin typeface="+mj-lt"/>
+                <a:ea typeface="+mj-ea"/>
+                <a:cs typeface="+mj-cs"/>
+              </a:rPr>
+              <a:t>enerate diet reports</a:t>
+            </a:r>
+            <a:endParaRPr lang="en-US" sz="3300" kern="1200" cap="all" baseline="0" dirty="0">
+              <a:solidFill>
+                <a:schemeClr val="tx1"/>
+              </a:solidFill>
+              <a:latin typeface="+mj-lt"/>
+              <a:ea typeface="+mj-ea"/>
+              <a:cs typeface="+mj-cs"/>
+            </a:endParaRPr>
           </a:p>
         </p:txBody>
       </p:sp>
@@ -4532,7 +4862,7 @@
             </a:r>
             <a:r>
               <a:rPr lang="en-US" sz="2400" dirty="0"/>
-              <a:t>:</a:t>
+              <a:t>: The user wants to see nutrient information for each item added to the calculator. After adding each item to the calculator a user is displayed all pertinent macronutrient information.</a:t>
             </a:r>
           </a:p>
         </p:txBody>
@@ -4580,7 +4910,7 @@
 </p:sld>
 </file>
 
-<file path=ppt/slides/slide14.xml><?xml version="1.0" encoding="utf-8"?>
+<file path=ppt/slides/slide15.xml><?xml version="1.0" encoding="utf-8"?>
 <p:sld xmlns:a="http://schemas.openxmlformats.org/drawingml/2006/main" xmlns:r="http://schemas.openxmlformats.org/officeDocument/2006/relationships" xmlns:p="http://schemas.openxmlformats.org/presentationml/2006/main">
   <p:cSld>
     <p:spTree>
@@ -4645,8 +4975,31 @@
                 <a:ea typeface="+mj-ea"/>
                 <a:cs typeface="+mj-cs"/>
               </a:rPr>
-              <a:t>:</a:t>
-            </a:r>
+              <a:t>: </a:t>
+            </a:r>
+            <a:r>
+              <a:rPr lang="en-US" sz="3300" cap="all" dirty="0"/>
+              <a:t>C</a:t>
+            </a:r>
+            <a:r>
+              <a:rPr lang="en-US" sz="3300" kern="1200" baseline="0" dirty="0">
+                <a:solidFill>
+                  <a:schemeClr val="tx1"/>
+                </a:solidFill>
+                <a:latin typeface="+mj-lt"/>
+                <a:ea typeface="+mj-ea"/>
+                <a:cs typeface="+mj-cs"/>
+              </a:rPr>
+              <a:t>reate meal plan</a:t>
+            </a:r>
+            <a:endParaRPr lang="en-US" sz="3300" kern="1200" cap="all" baseline="0" dirty="0">
+              <a:solidFill>
+                <a:schemeClr val="tx1"/>
+              </a:solidFill>
+              <a:latin typeface="+mj-lt"/>
+              <a:ea typeface="+mj-ea"/>
+              <a:cs typeface="+mj-cs"/>
+            </a:endParaRPr>
           </a:p>
         </p:txBody>
       </p:sp>
@@ -4691,7 +5044,7 @@
             </a:r>
             <a:r>
               <a:rPr lang="en-US" sz="2400" dirty="0"/>
-              <a:t>:</a:t>
+              <a:t>: A user wants to create a meal plan for later use. The meal plan allows them to create one place where all food items they’ve added to the calculator are contained.</a:t>
             </a:r>
           </a:p>
         </p:txBody>
@@ -4739,78 +5092,6 @@
 </p:sld>
 </file>
 
-<file path=ppt/slides/slide15.xml><?xml version="1.0" encoding="utf-8"?>
-<p:sld xmlns:a="http://schemas.openxmlformats.org/drawingml/2006/main" xmlns:r="http://schemas.openxmlformats.org/officeDocument/2006/relationships" xmlns:p="http://schemas.openxmlformats.org/presentationml/2006/main">
-  <p:cSld>
-    <p:spTree>
-      <p:nvGrpSpPr>
-        <p:cNvPr id="1" name=""/>
-        <p:cNvGrpSpPr/>
-        <p:nvPr/>
-      </p:nvGrpSpPr>
-      <p:grpSpPr>
-        <a:xfrm>
-          <a:off x="0" y="0"/>
-          <a:ext cx="0" cy="0"/>
-          <a:chOff x="0" y="0"/>
-          <a:chExt cx="0" cy="0"/>
-        </a:xfrm>
-      </p:grpSpPr>
-      <p:sp>
-        <p:nvSpPr>
-          <p:cNvPr id="2" name="Title 1">
-            <a:extLst>
-              <a:ext uri="{FF2B5EF4-FFF2-40B4-BE49-F238E27FC236}">
-                <a16:creationId xmlns:a16="http://schemas.microsoft.com/office/drawing/2014/main" id="{83A9E22B-28E7-604E-B395-2650A8D842D3}"/>
-              </a:ext>
-            </a:extLst>
-          </p:cNvPr>
-          <p:cNvSpPr>
-            <a:spLocks noGrp="1"/>
-          </p:cNvSpPr>
-          <p:nvPr>
-            <p:ph type="title"/>
-          </p:nvPr>
-        </p:nvSpPr>
-        <p:spPr>
-          <a:xfrm>
-            <a:off x="7660641" y="1113282"/>
-            <a:ext cx="4150360" cy="2396681"/>
-          </a:xfrm>
-        </p:spPr>
-        <p:txBody>
-          <a:bodyPr vert="horz" lIns="91440" tIns="45720" rIns="91440" bIns="45720" rtlCol="0" anchor="b">
-            <a:normAutofit fontScale="90000"/>
-          </a:bodyPr>
-          <a:lstStyle/>
-          <a:p>
-            <a:r>
-              <a:rPr lang="en-US" sz="4400" kern="1200" cap="all" baseline="0" dirty="0">
-                <a:solidFill>
-                  <a:schemeClr val="tx1"/>
-                </a:solidFill>
-                <a:latin typeface="+mj-lt"/>
-                <a:ea typeface="+mj-ea"/>
-                <a:cs typeface="+mj-cs"/>
-              </a:rPr>
-              <a:t>Updated Sequence diagram(Kevin K)</a:t>
-            </a:r>
-          </a:p>
-        </p:txBody>
-      </p:sp>
-    </p:spTree>
-    <p:extLst>
-      <p:ext uri="{BB962C8B-B14F-4D97-AF65-F5344CB8AC3E}">
-        <p14:creationId xmlns:p14="http://schemas.microsoft.com/office/powerpoint/2010/main" val="1160407864"/>
-      </p:ext>
-    </p:extLst>
-  </p:cSld>
-  <p:clrMapOvr>
-    <a:masterClrMapping/>
-  </p:clrMapOvr>
-</p:sld>
-</file>
-
 <file path=ppt/slides/slide16.xml><?xml version="1.0" encoding="utf-8"?>
 <p:sld xmlns:a="http://schemas.openxmlformats.org/drawingml/2006/main" xmlns:r="http://schemas.openxmlformats.org/officeDocument/2006/relationships" xmlns:p="http://schemas.openxmlformats.org/presentationml/2006/main">
   <p:cSld>
@@ -4846,13 +5127,13 @@
         </p:nvSpPr>
         <p:spPr>
           <a:xfrm>
-            <a:off x="7826829" y="1113282"/>
-            <a:ext cx="3720137" cy="2396681"/>
+            <a:off x="2435556" y="-1338056"/>
+            <a:ext cx="7320888" cy="2396681"/>
           </a:xfrm>
         </p:spPr>
         <p:txBody>
           <a:bodyPr vert="horz" lIns="91440" tIns="45720" rIns="91440" bIns="45720" rtlCol="0" anchor="b">
-            <a:normAutofit fontScale="90000"/>
+            <a:normAutofit/>
           </a:bodyPr>
           <a:lstStyle/>
           <a:p>
@@ -4865,19 +5146,99 @@
                 <a:ea typeface="+mj-ea"/>
                 <a:cs typeface="+mj-cs"/>
               </a:rPr>
-              <a:t>State transition diagram(</a:t>
-            </a:r>
-            <a:r>
-              <a:rPr lang="en-US" sz="4400" kern="1200" cap="all" baseline="0" dirty="0" err="1">
-                <a:solidFill>
-                  <a:schemeClr val="tx1"/>
-                </a:solidFill>
-                <a:latin typeface="+mj-lt"/>
-                <a:ea typeface="+mj-ea"/>
-                <a:cs typeface="+mj-cs"/>
-              </a:rPr>
-              <a:t>Liban</a:t>
-            </a:r>
+              <a:t>Updated Sequence diagram</a:t>
+            </a:r>
+          </a:p>
+        </p:txBody>
+      </p:sp>
+      <p:pic>
+        <p:nvPicPr>
+          <p:cNvPr id="6" name="Picture 5">
+            <a:extLst>
+              <a:ext uri="{FF2B5EF4-FFF2-40B4-BE49-F238E27FC236}">
+                <a16:creationId xmlns:a16="http://schemas.microsoft.com/office/drawing/2014/main" id="{1DE8FA43-00D6-9B4B-A792-CA754701BC01}"/>
+              </a:ext>
+            </a:extLst>
+          </p:cNvPr>
+          <p:cNvPicPr>
+            <a:picLocks noChangeAspect="1"/>
+          </p:cNvPicPr>
+          <p:nvPr/>
+        </p:nvPicPr>
+        <p:blipFill>
+          <a:blip r:embed="rId2"/>
+          <a:stretch>
+            <a:fillRect/>
+          </a:stretch>
+        </p:blipFill>
+        <p:spPr>
+          <a:xfrm>
+            <a:off x="518615" y="949855"/>
+            <a:ext cx="10590663" cy="5908145"/>
+          </a:xfrm>
+          <a:prstGeom prst="rect">
+            <a:avLst/>
+          </a:prstGeom>
+        </p:spPr>
+      </p:pic>
+    </p:spTree>
+    <p:extLst>
+      <p:ext uri="{BB962C8B-B14F-4D97-AF65-F5344CB8AC3E}">
+        <p14:creationId xmlns:p14="http://schemas.microsoft.com/office/powerpoint/2010/main" val="1160407864"/>
+      </p:ext>
+    </p:extLst>
+  </p:cSld>
+  <p:clrMapOvr>
+    <a:masterClrMapping/>
+  </p:clrMapOvr>
+</p:sld>
+</file>
+
+<file path=ppt/slides/slide17.xml><?xml version="1.0" encoding="utf-8"?>
+<p:sld xmlns:a="http://schemas.openxmlformats.org/drawingml/2006/main" xmlns:r="http://schemas.openxmlformats.org/officeDocument/2006/relationships" xmlns:p="http://schemas.openxmlformats.org/presentationml/2006/main">
+  <p:cSld>
+    <p:spTree>
+      <p:nvGrpSpPr>
+        <p:cNvPr id="1" name=""/>
+        <p:cNvGrpSpPr/>
+        <p:nvPr/>
+      </p:nvGrpSpPr>
+      <p:grpSpPr>
+        <a:xfrm>
+          <a:off x="0" y="0"/>
+          <a:ext cx="0" cy="0"/>
+          <a:chOff x="0" y="0"/>
+          <a:chExt cx="0" cy="0"/>
+        </a:xfrm>
+      </p:grpSpPr>
+      <p:sp>
+        <p:nvSpPr>
+          <p:cNvPr id="2" name="Title 1">
+            <a:extLst>
+              <a:ext uri="{FF2B5EF4-FFF2-40B4-BE49-F238E27FC236}">
+                <a16:creationId xmlns:a16="http://schemas.microsoft.com/office/drawing/2014/main" id="{83A9E22B-28E7-604E-B395-2650A8D842D3}"/>
+              </a:ext>
+            </a:extLst>
+          </p:cNvPr>
+          <p:cNvSpPr>
+            <a:spLocks noGrp="1"/>
+          </p:cNvSpPr>
+          <p:nvPr>
+            <p:ph type="title"/>
+          </p:nvPr>
+        </p:nvSpPr>
+        <p:spPr>
+          <a:xfrm>
+            <a:off x="7826829" y="1113282"/>
+            <a:ext cx="3720137" cy="2396681"/>
+          </a:xfrm>
+        </p:spPr>
+        <p:txBody>
+          <a:bodyPr vert="horz" lIns="91440" tIns="45720" rIns="91440" bIns="45720" rtlCol="0" anchor="b">
+            <a:normAutofit/>
+          </a:bodyPr>
+          <a:lstStyle/>
+          <a:p>
             <a:r>
               <a:rPr lang="en-US" sz="4400" kern="1200" cap="all" baseline="0" dirty="0">
                 <a:solidFill>
@@ -4887,11 +5248,41 @@
                 <a:ea typeface="+mj-ea"/>
                 <a:cs typeface="+mj-cs"/>
               </a:rPr>
-              <a:t>)</a:t>
-            </a:r>
-          </a:p>
-        </p:txBody>
-      </p:sp>
+              <a:t>State transition diagram</a:t>
+            </a:r>
+          </a:p>
+        </p:txBody>
+      </p:sp>
+      <p:pic>
+        <p:nvPicPr>
+          <p:cNvPr id="4" name="Picture 3">
+            <a:extLst>
+              <a:ext uri="{FF2B5EF4-FFF2-40B4-BE49-F238E27FC236}">
+                <a16:creationId xmlns:a16="http://schemas.microsoft.com/office/drawing/2014/main" id="{F3C0D022-46B8-AA43-93B2-F0A7DBFC5919}"/>
+              </a:ext>
+            </a:extLst>
+          </p:cNvPr>
+          <p:cNvPicPr>
+            <a:picLocks noChangeAspect="1"/>
+          </p:cNvPicPr>
+          <p:nvPr/>
+        </p:nvPicPr>
+        <p:blipFill>
+          <a:blip r:embed="rId2"/>
+          <a:stretch>
+            <a:fillRect/>
+          </a:stretch>
+        </p:blipFill>
+        <p:spPr>
+          <a:xfrm>
+            <a:off x="247523" y="0"/>
+            <a:ext cx="7002126" cy="6858000"/>
+          </a:xfrm>
+          <a:prstGeom prst="rect">
+            <a:avLst/>
+          </a:prstGeom>
+        </p:spPr>
+      </p:pic>
     </p:spTree>
     <p:extLst>
       <p:ext uri="{BB962C8B-B14F-4D97-AF65-F5344CB8AC3E}">
@@ -4905,7 +5296,7 @@
 </p:sld>
 </file>
 
-<file path=ppt/slides/slide17.xml><?xml version="1.0" encoding="utf-8"?>
+<file path=ppt/slides/slide18.xml><?xml version="1.0" encoding="utf-8"?>
 <p:sld xmlns:a="http://schemas.openxmlformats.org/drawingml/2006/main" xmlns:r="http://schemas.openxmlformats.org/officeDocument/2006/relationships" xmlns:p="http://schemas.openxmlformats.org/presentationml/2006/main">
   <p:cSld>
     <p:spTree>
@@ -5479,70 +5870,6 @@
 </p:sld>
 </file>
 
-<file path=ppt/slides/slide18.xml><?xml version="1.0" encoding="utf-8"?>
-<p:sld xmlns:a="http://schemas.openxmlformats.org/drawingml/2006/main" xmlns:r="http://schemas.openxmlformats.org/officeDocument/2006/relationships" xmlns:p="http://schemas.openxmlformats.org/presentationml/2006/main">
-  <p:cSld>
-    <p:spTree>
-      <p:nvGrpSpPr>
-        <p:cNvPr id="1" name=""/>
-        <p:cNvGrpSpPr/>
-        <p:nvPr/>
-      </p:nvGrpSpPr>
-      <p:grpSpPr>
-        <a:xfrm>
-          <a:off x="0" y="0"/>
-          <a:ext cx="0" cy="0"/>
-          <a:chOff x="0" y="0"/>
-          <a:chExt cx="0" cy="0"/>
-        </a:xfrm>
-      </p:grpSpPr>
-      <p:sp>
-        <p:nvSpPr>
-          <p:cNvPr id="2" name="Title 1">
-            <a:extLst>
-              <a:ext uri="{FF2B5EF4-FFF2-40B4-BE49-F238E27FC236}">
-                <a16:creationId xmlns:a16="http://schemas.microsoft.com/office/drawing/2014/main" id="{F8DC2967-EBBB-5B4A-AC35-FC2E3F6AB208}"/>
-              </a:ext>
-            </a:extLst>
-          </p:cNvPr>
-          <p:cNvSpPr>
-            <a:spLocks noGrp="1"/>
-          </p:cNvSpPr>
-          <p:nvPr>
-            <p:ph type="title"/>
-          </p:nvPr>
-        </p:nvSpPr>
-        <p:spPr>
-          <a:xfrm>
-            <a:off x="1143001" y="-160637"/>
-            <a:ext cx="9905998" cy="1478570"/>
-          </a:xfrm>
-        </p:spPr>
-        <p:txBody>
-          <a:bodyPr/>
-          <a:lstStyle/>
-          <a:p>
-            <a:pPr algn="ctr"/>
-            <a:r>
-              <a:rPr lang="en-US" dirty="0"/>
-              <a:t>Deployment process/Training process(Kevin K)</a:t>
-            </a:r>
-          </a:p>
-        </p:txBody>
-      </p:sp>
-    </p:spTree>
-    <p:extLst>
-      <p:ext uri="{BB962C8B-B14F-4D97-AF65-F5344CB8AC3E}">
-        <p14:creationId xmlns:p14="http://schemas.microsoft.com/office/powerpoint/2010/main" val="1448235860"/>
-      </p:ext>
-    </p:extLst>
-  </p:cSld>
-  <p:clrMapOvr>
-    <a:masterClrMapping/>
-  </p:clrMapOvr>
-</p:sld>
-</file>
-
 <file path=ppt/slides/slide19.xml><?xml version="1.0" encoding="utf-8"?>
 <p:sld xmlns:a="http://schemas.openxmlformats.org/drawingml/2006/main" xmlns:r="http://schemas.openxmlformats.org/officeDocument/2006/relationships" xmlns:p="http://schemas.openxmlformats.org/presentationml/2006/main">
   <p:cSld>
@@ -5727,7 +6054,7 @@
             </a:r>
             <a:r>
               <a:rPr lang="en-US" dirty="0"/>
-              <a:t>: Websites are a place where people go to look for information they might be interested in. There is room for error and bias in some of the current health and nutrition websites with their only purpose being to make money off advertisements and vulnerable people. The opportunity that this Health and Dietary Application aims to fulfill is to help these people by having one area where someone is able to find all of their dietary needs.</a:t>
+              <a:t>: Websites are a place where people go to look for information they might be interested in. There is room for error and bias in some of the current health and nutrition websites with their only purpose being to make money off advertisements and vulnerable people. The opportunity that this Health and Dietary Application aims to fulfill is to help these people by having one area where someone is able to find and customize all of their dietary needs.</a:t>
             </a:r>
           </a:p>
         </p:txBody>
@@ -5747,7 +6074,7 @@
         <p:spPr>
           <a:xfrm>
             <a:off x="1141413" y="4522572"/>
-            <a:ext cx="9905997" cy="1323439"/>
+            <a:ext cx="9905997" cy="1631216"/>
           </a:xfrm>
           <a:prstGeom prst="rect">
             <a:avLst/>
@@ -5803,7 +6130,16 @@
               <a:rPr lang="en-US" sz="2000" dirty="0"/>
               <a:t>Create a user inviting website that is simple but displays useful information</a:t>
             </a:r>
-            <a:endParaRPr lang="en-US" sz="2000" b="1" dirty="0"/>
+          </a:p>
+          <a:p>
+            <a:r>
+              <a:rPr lang="en-US" sz="2000" b="1" dirty="0"/>
+              <a:t>4.) </a:t>
+            </a:r>
+            <a:r>
+              <a:rPr lang="en-US" sz="2000" dirty="0"/>
+              <a:t>Receive funding and support for continued implementation</a:t>
+            </a:r>
           </a:p>
         </p:txBody>
       </p:sp>
@@ -6063,7 +6399,7 @@
         </p:nvSpPr>
         <p:spPr>
           <a:xfrm>
-            <a:off x="1141413" y="1082673"/>
+            <a:off x="470853" y="1074736"/>
             <a:ext cx="2869416" cy="4708528"/>
           </a:xfrm>
         </p:spPr>
@@ -6099,13 +6435,13 @@
         </p:nvSpPr>
         <p:spPr>
           <a:xfrm>
-            <a:off x="4928405" y="111210"/>
-            <a:ext cx="6934982" cy="6494377"/>
+            <a:off x="4135120" y="111210"/>
+            <a:ext cx="7728267" cy="6494377"/>
           </a:xfrm>
         </p:spPr>
         <p:txBody>
           <a:bodyPr anchor="ctr">
-            <a:normAutofit lnSpcReduction="10000"/>
+            <a:normAutofit/>
           </a:bodyPr>
           <a:lstStyle/>
           <a:p>
@@ -6152,18 +6488,6 @@
               <a:buNone/>
             </a:pPr>
             <a:r>
-              <a:rPr lang="en-US" sz="2000" dirty="0"/>
-              <a:t>          - Image: Nutrient information on any and all food items.</a:t>
-            </a:r>
-          </a:p>
-          <a:p>
-            <a:pPr marL="0" indent="0">
-              <a:lnSpc>
-                <a:spcPct val="110000"/>
-              </a:lnSpc>
-              <a:buNone/>
-            </a:pPr>
-            <a:r>
               <a:rPr lang="en-US" sz="2000" b="1" dirty="0">
                 <a:solidFill>
                   <a:srgbClr val="002060"/>
@@ -6193,7 +6517,7 @@
             </a:r>
             <a:r>
               <a:rPr lang="en-US" sz="2000" dirty="0"/>
-              <a:t>: Increase life productivity by having an area where people can improve on their own lifestyle.</a:t>
+              <a:t>: Create a user friendly experience that will attract customers so that our project receives support and funding. </a:t>
             </a:r>
           </a:p>
           <a:p>
@@ -6203,10 +6527,11 @@
               </a:lnSpc>
               <a:buNone/>
             </a:pPr>
-            <a:r>
-              <a:rPr lang="en-US" sz="2000" dirty="0"/>
-              <a:t>          - Calculator: Improving the current diets of everyone. </a:t>
-            </a:r>
+            <a:endParaRPr lang="en-US" sz="2000" b="1" dirty="0">
+              <a:solidFill>
+                <a:srgbClr val="002060"/>
+              </a:solidFill>
+            </a:endParaRPr>
           </a:p>
           <a:p>
             <a:pPr marL="0" indent="0">
@@ -6245,7 +6570,7 @@
             </a:r>
             <a:r>
               <a:rPr lang="en-US" sz="2000" dirty="0"/>
-              <a:t>: Achieve and increase the number of satisfied customers who have improved their lifestyle by visiting our website and using our software This example shows the use of plain language as a way to precisely state a business objective or other requirement.</a:t>
+              <a:t>: Achieve and increase the number of satisfied customers who have improved their lifestyle by visiting our website and using our software</a:t>
             </a:r>
           </a:p>
         </p:txBody>
@@ -6686,7 +7011,7 @@
           <p:cNvPr id="2" name="Title 1">
             <a:extLst>
               <a:ext uri="{FF2B5EF4-FFF2-40B4-BE49-F238E27FC236}">
-                <a16:creationId xmlns:a16="http://schemas.microsoft.com/office/drawing/2014/main" id="{C5033D7E-A30B-2244-A61C-A833FF9EC061}"/>
+                <a16:creationId xmlns:a16="http://schemas.microsoft.com/office/drawing/2014/main" id="{6A84D4C8-E384-5C40-8A81-719E6EB0BB93}"/>
               </a:ext>
             </a:extLst>
           </p:cNvPr>
@@ -6699,34 +7024,37 @@
         </p:nvSpPr>
         <p:spPr>
           <a:xfrm>
-            <a:off x="1143001" y="252248"/>
-            <a:ext cx="9905998" cy="1515082"/>
+            <a:off x="2721520" y="95252"/>
+            <a:ext cx="6448709" cy="703591"/>
           </a:xfrm>
         </p:spPr>
         <p:txBody>
-          <a:bodyPr>
-            <a:normAutofit/>
+          <a:bodyPr vert="horz" lIns="91440" tIns="45720" rIns="91440" bIns="45720" rtlCol="0" anchor="b">
+            <a:normAutofit fontScale="90000"/>
           </a:bodyPr>
           <a:lstStyle/>
           <a:p>
             <a:pPr algn="ctr"/>
             <a:r>
-              <a:rPr lang="en-US" dirty="0"/>
-              <a:t>Use cases</a:t>
-            </a:r>
-            <a:br>
-              <a:rPr lang="en-US" dirty="0"/>
-            </a:br>
-            <a:endParaRPr lang="en-US" dirty="0"/>
+              <a:rPr lang="en-US" sz="4800" kern="1200" cap="all" baseline="0" dirty="0">
+                <a:solidFill>
+                  <a:schemeClr val="tx1"/>
+                </a:solidFill>
+                <a:latin typeface="+mj-lt"/>
+                <a:ea typeface="+mj-ea"/>
+                <a:cs typeface="+mj-cs"/>
+              </a:rPr>
+              <a:t>Product backlog</a:t>
+            </a:r>
           </a:p>
         </p:txBody>
       </p:sp>
       <p:pic>
         <p:nvPicPr>
-          <p:cNvPr id="4" name="Picture 3">
-            <a:extLst>
-              <a:ext uri="{FF2B5EF4-FFF2-40B4-BE49-F238E27FC236}">
-                <a16:creationId xmlns:a16="http://schemas.microsoft.com/office/drawing/2014/main" id="{C822F7E3-1F94-6B44-A2C2-1BC81689F146}"/>
+          <p:cNvPr id="5" name="Picture 4">
+            <a:extLst>
+              <a:ext uri="{FF2B5EF4-FFF2-40B4-BE49-F238E27FC236}">
+                <a16:creationId xmlns:a16="http://schemas.microsoft.com/office/drawing/2014/main" id="{748E45F8-4D45-0D45-B82B-D06E70D5384B}"/>
               </a:ext>
             </a:extLst>
           </p:cNvPr>
@@ -6736,15 +7064,15 @@
           <p:nvPr/>
         </p:nvPicPr>
         <p:blipFill>
-          <a:blip r:embed="rId2"/>
+          <a:blip r:embed="rId3"/>
           <a:stretch>
             <a:fillRect/>
           </a:stretch>
         </p:blipFill>
         <p:spPr>
           <a:xfrm>
-            <a:off x="2460814" y="1193529"/>
-            <a:ext cx="7270371" cy="5412223"/>
+            <a:off x="1355678" y="903241"/>
+            <a:ext cx="9480644" cy="5736678"/>
           </a:xfrm>
           <a:prstGeom prst="rect">
             <a:avLst/>
@@ -6754,7 +7082,7 @@
     </p:spTree>
     <p:extLst>
       <p:ext uri="{BB962C8B-B14F-4D97-AF65-F5344CB8AC3E}">
-        <p14:creationId xmlns:p14="http://schemas.microsoft.com/office/powerpoint/2010/main" val="480719905"/>
+        <p14:creationId xmlns:p14="http://schemas.microsoft.com/office/powerpoint/2010/main" val="1461619677"/>
       </p:ext>
     </p:extLst>
   </p:cSld>
@@ -6786,7 +7114,7 @@
           <p:cNvPr id="2" name="Title 1">
             <a:extLst>
               <a:ext uri="{FF2B5EF4-FFF2-40B4-BE49-F238E27FC236}">
-                <a16:creationId xmlns:a16="http://schemas.microsoft.com/office/drawing/2014/main" id="{443E46DB-43BE-3649-B8C4-C1A058813DED}"/>
+                <a16:creationId xmlns:a16="http://schemas.microsoft.com/office/drawing/2014/main" id="{C5033D7E-A30B-2244-A61C-A833FF9EC061}"/>
               </a:ext>
             </a:extLst>
           </p:cNvPr>
@@ -6799,154 +7127,62 @@
         </p:nvSpPr>
         <p:spPr>
           <a:xfrm>
-            <a:off x="2314994" y="1452618"/>
-            <a:ext cx="4482424" cy="3551236"/>
+            <a:off x="1143001" y="252248"/>
+            <a:ext cx="9905998" cy="1515082"/>
           </a:xfrm>
         </p:spPr>
         <p:txBody>
-          <a:bodyPr vert="horz" lIns="91440" tIns="45720" rIns="91440" bIns="45720" rtlCol="0" anchor="ctr">
+          <a:bodyPr>
             <a:normAutofit/>
           </a:bodyPr>
           <a:lstStyle/>
           <a:p>
-            <a:pPr algn="r"/>
-            <a:r>
-              <a:rPr lang="en-US" sz="4800" kern="1200" cap="all" baseline="0" dirty="0">
-                <a:solidFill>
-                  <a:schemeClr val="tx1"/>
-                </a:solidFill>
-                <a:latin typeface="+mj-lt"/>
-                <a:ea typeface="+mj-ea"/>
-                <a:cs typeface="+mj-cs"/>
-              </a:rPr>
-              <a:t>Use cases undertaken in sprint II</a:t>
-            </a:r>
-          </a:p>
-        </p:txBody>
-      </p:sp>
-      <p:sp>
-        <p:nvSpPr>
-          <p:cNvPr id="5" name="TextBox 4">
-            <a:extLst>
-              <a:ext uri="{FF2B5EF4-FFF2-40B4-BE49-F238E27FC236}">
-                <a16:creationId xmlns:a16="http://schemas.microsoft.com/office/drawing/2014/main" id="{4B83C55D-9BC8-4F48-B16B-DAEF2BFBD890}"/>
-              </a:ext>
-            </a:extLst>
-          </p:cNvPr>
-          <p:cNvSpPr txBox="1"/>
+            <a:pPr algn="ctr"/>
+            <a:r>
+              <a:rPr lang="en-US" dirty="0"/>
+              <a:t>Use cases</a:t>
+            </a:r>
+            <a:br>
+              <a:rPr lang="en-US" dirty="0"/>
+            </a:br>
+            <a:endParaRPr lang="en-US" dirty="0"/>
+          </a:p>
+        </p:txBody>
+      </p:sp>
+      <p:pic>
+        <p:nvPicPr>
+          <p:cNvPr id="4" name="Picture 3">
+            <a:extLst>
+              <a:ext uri="{FF2B5EF4-FFF2-40B4-BE49-F238E27FC236}">
+                <a16:creationId xmlns:a16="http://schemas.microsoft.com/office/drawing/2014/main" id="{C822F7E3-1F94-6B44-A2C2-1BC81689F146}"/>
+              </a:ext>
+            </a:extLst>
+          </p:cNvPr>
+          <p:cNvPicPr>
+            <a:picLocks noChangeAspect="1"/>
+          </p:cNvPicPr>
           <p:nvPr/>
-        </p:nvSpPr>
+        </p:nvPicPr>
+        <p:blipFill>
+          <a:blip r:embed="rId2"/>
+          <a:stretch>
+            <a:fillRect/>
+          </a:stretch>
+        </p:blipFill>
         <p:spPr>
           <a:xfrm>
-            <a:off x="7225232" y="1536174"/>
-            <a:ext cx="4252535" cy="4154984"/>
+            <a:off x="2460814" y="1193529"/>
+            <a:ext cx="7270371" cy="5412223"/>
           </a:xfrm>
           <a:prstGeom prst="rect">
             <a:avLst/>
           </a:prstGeom>
-          <a:noFill/>
         </p:spPr>
-        <p:txBody>
-          <a:bodyPr wrap="square" rtlCol="0">
-            <a:spAutoFit/>
-          </a:bodyPr>
-          <a:lstStyle/>
-          <a:p>
-            <a:r>
-              <a:rPr lang="en-US" sz="2400" b="1" dirty="0">
-                <a:solidFill>
-                  <a:srgbClr val="002060"/>
-                </a:solidFill>
-              </a:rPr>
-              <a:t>UC #4</a:t>
-            </a:r>
-            <a:r>
-              <a:rPr lang="en-US" sz="2400" dirty="0"/>
-              <a:t>: Keep nutritional values up to date</a:t>
-            </a:r>
-          </a:p>
-          <a:p>
-            <a:endParaRPr lang="en-US" sz="2400" dirty="0"/>
-          </a:p>
-          <a:p>
-            <a:r>
-              <a:rPr lang="en-US" sz="2400" b="1" dirty="0">
-                <a:solidFill>
-                  <a:srgbClr val="002060"/>
-                </a:solidFill>
-              </a:rPr>
-              <a:t>UC #5</a:t>
-            </a:r>
-            <a:r>
-              <a:rPr lang="en-US" sz="2400" dirty="0"/>
-              <a:t>: Define nutritional diets</a:t>
-            </a:r>
-          </a:p>
-          <a:p>
-            <a:endParaRPr lang="en-US" sz="2400" dirty="0"/>
-          </a:p>
-          <a:p>
-            <a:r>
-              <a:rPr lang="en-US" sz="2400" b="1" dirty="0">
-                <a:solidFill>
-                  <a:srgbClr val="002060"/>
-                </a:solidFill>
-              </a:rPr>
-              <a:t>UC #6</a:t>
-            </a:r>
-            <a:r>
-              <a:rPr lang="en-US" sz="2400" dirty="0"/>
-              <a:t>: Calculate macronutrients</a:t>
-            </a:r>
-          </a:p>
-          <a:p>
-            <a:endParaRPr lang="en-US" sz="2400" dirty="0"/>
-          </a:p>
-          <a:p>
-            <a:r>
-              <a:rPr lang="en-US" sz="2400" b="1" dirty="0">
-                <a:solidFill>
-                  <a:srgbClr val="002060"/>
-                </a:solidFill>
-              </a:rPr>
-              <a:t>UC #7</a:t>
-            </a:r>
-            <a:r>
-              <a:rPr lang="en-US" sz="2400" dirty="0"/>
-              <a:t>: Generate Diet Reports</a:t>
-            </a:r>
-          </a:p>
-          <a:p>
-            <a:endParaRPr lang="en-US" sz="2400" dirty="0"/>
-          </a:p>
-          <a:p>
-            <a:r>
-              <a:rPr lang="en-US" sz="2400" b="1" dirty="0">
-                <a:solidFill>
-                  <a:srgbClr val="002060"/>
-                </a:solidFill>
-              </a:rPr>
-              <a:t>UC #8: </a:t>
-            </a:r>
-            <a:r>
-              <a:rPr lang="en-US" sz="2400" dirty="0"/>
-              <a:t>Create meal plan</a:t>
-            </a:r>
-            <a:endParaRPr lang="en-US" sz="2400" b="1" dirty="0">
-              <a:solidFill>
-                <a:srgbClr val="002060"/>
-              </a:solidFill>
-            </a:endParaRPr>
-          </a:p>
-          <a:p>
-            <a:endParaRPr lang="en-US" sz="2400" dirty="0"/>
-          </a:p>
-        </p:txBody>
-      </p:sp>
+      </p:pic>
     </p:spTree>
     <p:extLst>
       <p:ext uri="{BB962C8B-B14F-4D97-AF65-F5344CB8AC3E}">
-        <p14:creationId xmlns:p14="http://schemas.microsoft.com/office/powerpoint/2010/main" val="3960667573"/>
+        <p14:creationId xmlns:p14="http://schemas.microsoft.com/office/powerpoint/2010/main" val="480719905"/>
       </p:ext>
     </p:extLst>
   </p:cSld>
